--- a/docs/NIEM-Metamodel.pptx
+++ b/docs/NIEM-Metamodel.pptx
@@ -4021,8 +4021,8 @@
         </p:blipFill>
         <p:spPr bwMode="auto">
           <a:xfrm>
-            <a:off x="3886200" y="1816100"/>
-            <a:ext cx="4419600" cy="3835400"/>
+            <a:off x="3657600" y="1816100"/>
+            <a:ext cx="4864100" cy="3835400"/>
           </a:xfrm>
           <a:prstGeom prst="rect">
             <a:avLst/>

--- a/docs/NIEM-Metamodel.pptx
+++ b/docs/NIEM-Metamodel.pptx
@@ -4007,7 +4007,7 @@
       </p:sp>
       <p:pic>
         <p:nvPicPr>
-          <p:cNvPr descr="generated/metamodel-core.png" id="0" name="Picture 1"/>
+          <p:cNvPr descr="generated/metamodel-light.png" id="0" name="Picture 1"/>
           <p:cNvPicPr>
             <a:picLocks noGrp="1" noChangeAspect="1"/>
           </p:cNvPicPr>
@@ -4021,8 +4021,8 @@
         </p:blipFill>
         <p:spPr bwMode="auto">
           <a:xfrm>
-            <a:off x="3657600" y="1816100"/>
-            <a:ext cx="4864100" cy="3835400"/>
+            <a:off x="5054600" y="1816100"/>
+            <a:ext cx="2070100" cy="3835400"/>
           </a:xfrm>
           <a:prstGeom prst="rect">
             <a:avLst/>
